--- a/documentation/greenfox-xmlprague-2020.pptx
+++ b/documentation/greenfox-xmlprague-2020.pptx
@@ -20,8 +20,8 @@
     <p:sldId id="1178" r:id="rId8"/>
     <p:sldId id="1196" r:id="rId9"/>
     <p:sldId id="1199" r:id="rId10"/>
-    <p:sldId id="1214" r:id="rId11"/>
-    <p:sldId id="1213" r:id="rId12"/>
+    <p:sldId id="1217" r:id="rId11"/>
+    <p:sldId id="1218" r:id="rId12"/>
     <p:sldId id="1201" r:id="rId13"/>
     <p:sldId id="1156" r:id="rId14"/>
     <p:sldId id="1193" r:id="rId15"/>
@@ -1394,14 +1394,34 @@
           <a:bodyPr/>
           <a:lstStyle/>
           <a:p>
+            <a:pPr marL="0" marR="0" lvl="0" indent="0" algn="l" defTabSz="914400" rtl="0" eaLnBrk="0" fontAlgn="base" latinLnBrk="0" hangingPunct="0">
+              <a:lnSpc>
+                <a:spcPct val="100000"/>
+              </a:lnSpc>
+              <a:spcBef>
+                <a:spcPct val="30000"/>
+              </a:spcBef>
+              <a:spcAft>
+                <a:spcPct val="0"/>
+              </a:spcAft>
+              <a:buClrTx/>
+              <a:buSzTx/>
+              <a:buFontTx/>
+              <a:buNone/>
+              <a:tabLst/>
+              <a:defRPr/>
+            </a:pPr>
             <a:r>
               <a:rPr lang="de-DE" smtClean="0"/>
               <a:t>Yo</a:t>
             </a:r>
             <a:r>
               <a:rPr lang="de-DE" baseline="0" smtClean="0"/>
-              <a:t>u may be tempted to think that shape nesting is only for describing the hierarchy of folders and files. But it can be used for describing other relationships, too: subsetting, and conditional occurrence. Subsetting: the nested file shape is only evaluated for each docbook file.</a:t>
-            </a:r>
+              <a:t>u may be tempted to think that shape nesting is only for reflecting the hierarchy of folders and files. But it can be used for describing other relationships, too: subsetting, and conditional occurrence. Subsetting: the target of the nested shape is a subset of the target of the containing shape. Here, the subset contains only those docbook files which have an &lt;imagedata&gt; element.</a:t>
+            </a:r>
+            <a:endParaRPr lang="de-DE" smtClean="0"/>
+          </a:p>
+          <a:p>
             <a:endParaRPr lang="de-DE"/>
           </a:p>
         </p:txBody>
@@ -1438,7 +1458,7 @@
     </p:spTree>
     <p:extLst>
       <p:ext uri="{BB962C8B-B14F-4D97-AF65-F5344CB8AC3E}">
-        <p14:creationId xmlns:p14="http://schemas.microsoft.com/office/powerpoint/2010/main" val="1959067395"/>
+        <p14:creationId xmlns:p14="http://schemas.microsoft.com/office/powerpoint/2010/main" val="1619289492"/>
       </p:ext>
     </p:extLst>
   </p:cSld>
@@ -1492,14 +1512,46 @@
           <a:bodyPr/>
           <a:lstStyle/>
           <a:p>
+            <a:pPr marL="0" marR="0" lvl="0" indent="0" algn="l" defTabSz="914400" rtl="0" eaLnBrk="0" fontAlgn="base" latinLnBrk="0" hangingPunct="0">
+              <a:lnSpc>
+                <a:spcPct val="100000"/>
+              </a:lnSpc>
+              <a:spcBef>
+                <a:spcPct val="30000"/>
+              </a:spcBef>
+              <a:spcAft>
+                <a:spcPct val="0"/>
+              </a:spcAft>
+              <a:buClrTx/>
+              <a:buSzTx/>
+              <a:buFontTx/>
+              <a:buNone/>
+              <a:tabLst/>
+              <a:defRPr/>
+            </a:pPr>
             <a:r>
               <a:rPr lang="de-DE" smtClean="0"/>
-              <a:t>The nested file shape in turn contains a nested folder shape. The nested folder</a:t>
+              <a:t>Nested shapes can express an</a:t>
             </a:r>
             <a:r>
               <a:rPr lang="de-DE" baseline="0" smtClean="0"/>
-              <a:t> shape describes a mandatory image folder. It is evaluated for each docbook with images – and only for them.</a:t>
-            </a:r>
+              <a:t> </a:t>
+            </a:r>
+            <a:r>
+              <a:rPr lang="de-DE" b="1" baseline="0" smtClean="0"/>
+              <a:t>if then relationship</a:t>
+            </a:r>
+            <a:r>
+              <a:rPr lang="de-DE" smtClean="0"/>
+              <a:t>. The nested folder</a:t>
+            </a:r>
+            <a:r>
+              <a:rPr lang="de-DE" baseline="0" smtClean="0"/>
+              <a:t> shape is mandatory – mandatory for each resource in the target of the containing file shape.</a:t>
+            </a:r>
+            <a:endParaRPr lang="de-DE" smtClean="0"/>
+          </a:p>
+          <a:p>
             <a:endParaRPr lang="de-DE"/>
           </a:p>
         </p:txBody>
@@ -1536,7 +1588,7 @@
     </p:spTree>
     <p:extLst>
       <p:ext uri="{BB962C8B-B14F-4D97-AF65-F5344CB8AC3E}">
-        <p14:creationId xmlns:p14="http://schemas.microsoft.com/office/powerpoint/2010/main" val="2645424178"/>
+        <p14:creationId xmlns:p14="http://schemas.microsoft.com/office/powerpoint/2010/main" val="1015856672"/>
       </p:ext>
     </p:extLst>
   </p:cSld>
@@ -17877,7 +17929,7 @@
           <a:p>
             <a:r>
               <a:rPr lang="de-DE" smtClean="0"/>
-              <a:t>Nesting shapes</a:t>
+              <a:t>Nesting shapes - subsetting</a:t>
             </a:r>
             <a:endParaRPr lang="de-DE"/>
           </a:p>
@@ -17966,7 +18018,7 @@
       </p:sp>
       <p:pic>
         <p:nvPicPr>
-          <p:cNvPr id="11" name="Picture 10"/>
+          <p:cNvPr id="9" name="Picture 8"/>
           <p:cNvPicPr>
             <a:picLocks noChangeAspect="1"/>
           </p:cNvPicPr>
@@ -17980,8 +18032,8 @@
         </p:blipFill>
         <p:spPr>
           <a:xfrm>
-            <a:off x="14230" y="1524642"/>
-            <a:ext cx="9144000" cy="5320632"/>
+            <a:off x="571500" y="1674837"/>
+            <a:ext cx="8001000" cy="4562475"/>
           </a:xfrm>
           <a:prstGeom prst="rect">
             <a:avLst/>
@@ -17990,13 +18042,13 @@
       </p:pic>
       <p:sp>
         <p:nvSpPr>
-          <p:cNvPr id="3" name="Rectangle 2"/>
+          <p:cNvPr id="10" name="Rectangle 9"/>
           <p:cNvSpPr/>
           <p:nvPr/>
         </p:nvSpPr>
         <p:spPr bwMode="auto">
           <a:xfrm>
-            <a:off x="28460" y="4077071"/>
+            <a:off x="14230" y="3920418"/>
             <a:ext cx="9129770" cy="2768203"/>
           </a:xfrm>
           <a:prstGeom prst="rect">
@@ -18052,10 +18104,146 @@
           </a:p>
         </p:txBody>
       </p:sp>
+      <p:sp>
+        <p:nvSpPr>
+          <p:cNvPr id="11" name="Rounded Rectangle 10"/>
+          <p:cNvSpPr/>
+          <p:nvPr/>
+        </p:nvSpPr>
+        <p:spPr bwMode="auto">
+          <a:xfrm>
+            <a:off x="3748333" y="3227750"/>
+            <a:ext cx="3780000" cy="324000"/>
+          </a:xfrm>
+          <a:prstGeom prst="roundRect">
+            <a:avLst/>
+          </a:prstGeom>
+          <a:solidFill>
+            <a:srgbClr val="006600">
+              <a:alpha val="20000"/>
+            </a:srgbClr>
+          </a:solidFill>
+          <a:ln w="9525" cap="flat" cmpd="sng" algn="ctr">
+            <a:solidFill>
+              <a:schemeClr val="tx1"/>
+            </a:solidFill>
+            <a:prstDash val="solid"/>
+            <a:round/>
+            <a:headEnd type="none" w="med" len="med"/>
+            <a:tailEnd type="none" w="med" len="med"/>
+          </a:ln>
+          <a:effectLst/>
+          <a:extLst/>
+        </p:spPr>
+        <p:txBody>
+          <a:bodyPr vert="horz" wrap="square" lIns="91440" tIns="45720" rIns="91440" bIns="45720" numCol="1" rtlCol="0" anchor="t" anchorCtr="0" compatLnSpc="1">
+            <a:prstTxWarp prst="textNoShape">
+              <a:avLst/>
+            </a:prstTxWarp>
+          </a:bodyPr>
+          <a:lstStyle/>
+          <a:p>
+            <a:pPr marL="0" marR="0" indent="0" algn="l" defTabSz="914400" rtl="0" eaLnBrk="1" fontAlgn="base" latinLnBrk="0" hangingPunct="1">
+              <a:lnSpc>
+                <a:spcPct val="100000"/>
+              </a:lnSpc>
+              <a:spcBef>
+                <a:spcPct val="0"/>
+              </a:spcBef>
+              <a:spcAft>
+                <a:spcPct val="0"/>
+              </a:spcAft>
+              <a:buClrTx/>
+              <a:buSzTx/>
+              <a:buFontTx/>
+              <a:buNone/>
+              <a:tabLst/>
+            </a:pPr>
+            <a:endParaRPr kumimoji="0" lang="de-DE" sz="1800" b="1" i="0" u="none" strike="noStrike" cap="none" normalizeH="0" baseline="0" smtClean="0">
+              <a:ln>
+                <a:noFill/>
+              </a:ln>
+              <a:solidFill>
+                <a:schemeClr val="tx1"/>
+              </a:solidFill>
+              <a:effectLst/>
+              <a:latin typeface="Arial" panose="020B0604020202020204" pitchFamily="34" charset="0"/>
+            </a:endParaRPr>
+          </a:p>
+        </p:txBody>
+      </p:sp>
+      <p:sp>
+        <p:nvSpPr>
+          <p:cNvPr id="12" name="Rounded Rectangle 11"/>
+          <p:cNvSpPr/>
+          <p:nvPr/>
+        </p:nvSpPr>
+        <p:spPr bwMode="auto">
+          <a:xfrm>
+            <a:off x="3243957" y="2092747"/>
+            <a:ext cx="3420000" cy="324000"/>
+          </a:xfrm>
+          <a:prstGeom prst="roundRect">
+            <a:avLst/>
+          </a:prstGeom>
+          <a:solidFill>
+            <a:srgbClr val="006600">
+              <a:alpha val="20000"/>
+            </a:srgbClr>
+          </a:solidFill>
+          <a:ln w="9525" cap="flat" cmpd="sng" algn="ctr">
+            <a:solidFill>
+              <a:schemeClr val="tx1"/>
+            </a:solidFill>
+            <a:prstDash val="solid"/>
+            <a:round/>
+            <a:headEnd type="none" w="med" len="med"/>
+            <a:tailEnd type="none" w="med" len="med"/>
+          </a:ln>
+          <a:effectLst/>
+          <a:extLst/>
+        </p:spPr>
+        <p:txBody>
+          <a:bodyPr vert="horz" wrap="square" lIns="91440" tIns="45720" rIns="91440" bIns="45720" numCol="1" rtlCol="0" anchor="t" anchorCtr="0" compatLnSpc="1">
+            <a:prstTxWarp prst="textNoShape">
+              <a:avLst/>
+            </a:prstTxWarp>
+          </a:bodyPr>
+          <a:lstStyle/>
+          <a:p>
+            <a:pPr marL="0" marR="0" indent="0" algn="l" defTabSz="914400" rtl="0" eaLnBrk="1" fontAlgn="base" latinLnBrk="0" hangingPunct="1">
+              <a:lnSpc>
+                <a:spcPct val="100000"/>
+              </a:lnSpc>
+              <a:spcBef>
+                <a:spcPct val="0"/>
+              </a:spcBef>
+              <a:spcAft>
+                <a:spcPct val="0"/>
+              </a:spcAft>
+              <a:buClrTx/>
+              <a:buSzTx/>
+              <a:buFontTx/>
+              <a:buNone/>
+              <a:tabLst/>
+            </a:pPr>
+            <a:endParaRPr kumimoji="0" lang="de-DE" sz="1800" b="1" i="0" u="none" strike="noStrike" cap="none" normalizeH="0" baseline="0" smtClean="0">
+              <a:ln>
+                <a:noFill/>
+              </a:ln>
+              <a:solidFill>
+                <a:schemeClr val="tx1"/>
+              </a:solidFill>
+              <a:effectLst/>
+              <a:latin typeface="Arial" panose="020B0604020202020204" pitchFamily="34" charset="0"/>
+            </a:endParaRPr>
+          </a:p>
+        </p:txBody>
+      </p:sp>
     </p:spTree>
     <p:extLst>
       <p:ext uri="{BB962C8B-B14F-4D97-AF65-F5344CB8AC3E}">
-        <p14:creationId xmlns:p14="http://schemas.microsoft.com/office/powerpoint/2010/main" val="3531156344"/>
+        <p14:creationId xmlns:p14="http://schemas.microsoft.com/office/powerpoint/2010/main" val="2592582664"/>
       </p:ext>
     </p:extLst>
   </p:cSld>
@@ -18065,9 +18253,126 @@
   <p:timing>
     <p:tnLst>
       <p:par>
-        <p:cTn id="1" dur="indefinite" restart="never" nodeType="tmRoot"/>
+        <p:cTn id="1" dur="indefinite" restart="never" nodeType="tmRoot">
+          <p:childTnLst>
+            <p:seq concurrent="1" nextAc="seek">
+              <p:cTn id="2" dur="indefinite" nodeType="mainSeq">
+                <p:childTnLst>
+                  <p:par>
+                    <p:cTn id="3" fill="hold">
+                      <p:stCondLst>
+                        <p:cond delay="indefinite"/>
+                      </p:stCondLst>
+                      <p:childTnLst>
+                        <p:par>
+                          <p:cTn id="4" fill="hold">
+                            <p:stCondLst>
+                              <p:cond delay="0"/>
+                            </p:stCondLst>
+                            <p:childTnLst>
+                              <p:par>
+                                <p:cTn id="5" presetID="1" presetClass="entr" presetSubtype="0" fill="hold" grpId="0" nodeType="clickEffect">
+                                  <p:stCondLst>
+                                    <p:cond delay="0"/>
+                                  </p:stCondLst>
+                                  <p:childTnLst>
+                                    <p:set>
+                                      <p:cBhvr>
+                                        <p:cTn id="6" dur="1" fill="hold">
+                                          <p:stCondLst>
+                                            <p:cond delay="0"/>
+                                          </p:stCondLst>
+                                        </p:cTn>
+                                        <p:tgtEl>
+                                          <p:spTgt spid="12"/>
+                                        </p:tgtEl>
+                                        <p:attrNameLst>
+                                          <p:attrName>style.visibility</p:attrName>
+                                        </p:attrNameLst>
+                                      </p:cBhvr>
+                                      <p:to>
+                                        <p:strVal val="visible"/>
+                                      </p:to>
+                                    </p:set>
+                                  </p:childTnLst>
+                                </p:cTn>
+                              </p:par>
+                            </p:childTnLst>
+                          </p:cTn>
+                        </p:par>
+                      </p:childTnLst>
+                    </p:cTn>
+                  </p:par>
+                  <p:par>
+                    <p:cTn id="7" fill="hold">
+                      <p:stCondLst>
+                        <p:cond delay="indefinite"/>
+                      </p:stCondLst>
+                      <p:childTnLst>
+                        <p:par>
+                          <p:cTn id="8" fill="hold">
+                            <p:stCondLst>
+                              <p:cond delay="0"/>
+                            </p:stCondLst>
+                            <p:childTnLst>
+                              <p:par>
+                                <p:cTn id="9" presetID="1" presetClass="entr" presetSubtype="0" fill="hold" grpId="0" nodeType="clickEffect">
+                                  <p:stCondLst>
+                                    <p:cond delay="0"/>
+                                  </p:stCondLst>
+                                  <p:childTnLst>
+                                    <p:set>
+                                      <p:cBhvr>
+                                        <p:cTn id="10" dur="1" fill="hold">
+                                          <p:stCondLst>
+                                            <p:cond delay="0"/>
+                                          </p:stCondLst>
+                                        </p:cTn>
+                                        <p:tgtEl>
+                                          <p:spTgt spid="11"/>
+                                        </p:tgtEl>
+                                        <p:attrNameLst>
+                                          <p:attrName>style.visibility</p:attrName>
+                                        </p:attrNameLst>
+                                      </p:cBhvr>
+                                      <p:to>
+                                        <p:strVal val="visible"/>
+                                      </p:to>
+                                    </p:set>
+                                  </p:childTnLst>
+                                </p:cTn>
+                              </p:par>
+                            </p:childTnLst>
+                          </p:cTn>
+                        </p:par>
+                      </p:childTnLst>
+                    </p:cTn>
+                  </p:par>
+                </p:childTnLst>
+              </p:cTn>
+              <p:prevCondLst>
+                <p:cond evt="onPrev" delay="0">
+                  <p:tgtEl>
+                    <p:sldTgt/>
+                  </p:tgtEl>
+                </p:cond>
+              </p:prevCondLst>
+              <p:nextCondLst>
+                <p:cond evt="onNext" delay="0">
+                  <p:tgtEl>
+                    <p:sldTgt/>
+                  </p:tgtEl>
+                </p:cond>
+              </p:nextCondLst>
+            </p:seq>
+          </p:childTnLst>
+        </p:cTn>
       </p:par>
     </p:tnLst>
+    <p:bldLst>
+      <p:bldP spid="11" grpId="0" animBg="1"/>
+      <p:bldP spid="12" grpId="0" animBg="1"/>
+    </p:bldLst>
   </p:timing>
 </p:sld>
 </file>
@@ -18106,7 +18411,14 @@
           <a:p>
             <a:r>
               <a:rPr lang="de-DE" smtClean="0"/>
-              <a:t>Nesting shapes</a:t>
+              <a:t>Nesting shapes – </a:t>
+            </a:r>
+            <a:br>
+              <a:rPr lang="de-DE" smtClean="0"/>
+            </a:br>
+            <a:r>
+              <a:rPr lang="de-DE" smtClean="0"/>
+              <a:t>  if outer then inner B</a:t>
             </a:r>
             <a:endParaRPr lang="de-DE"/>
           </a:p>
@@ -18195,7 +18507,7 @@
       </p:sp>
       <p:pic>
         <p:nvPicPr>
-          <p:cNvPr id="11" name="Picture 10"/>
+          <p:cNvPr id="9" name="Picture 8"/>
           <p:cNvPicPr>
             <a:picLocks noChangeAspect="1"/>
           </p:cNvPicPr>
@@ -18209,18 +18521,286 @@
         </p:blipFill>
         <p:spPr>
           <a:xfrm>
-            <a:off x="0" y="1524643"/>
-            <a:ext cx="9144000" cy="5320632"/>
+            <a:off x="571500" y="1674837"/>
+            <a:ext cx="8001000" cy="4562475"/>
           </a:xfrm>
           <a:prstGeom prst="rect">
             <a:avLst/>
           </a:prstGeom>
         </p:spPr>
       </p:pic>
+      <p:sp>
+        <p:nvSpPr>
+          <p:cNvPr id="7" name="Rounded Rectangle 6"/>
+          <p:cNvSpPr/>
+          <p:nvPr/>
+        </p:nvSpPr>
+        <p:spPr bwMode="auto">
+          <a:xfrm>
+            <a:off x="3748333" y="3227750"/>
+            <a:ext cx="3780000" cy="324000"/>
+          </a:xfrm>
+          <a:prstGeom prst="roundRect">
+            <a:avLst/>
+          </a:prstGeom>
+          <a:solidFill>
+            <a:srgbClr val="006600">
+              <a:alpha val="20000"/>
+            </a:srgbClr>
+          </a:solidFill>
+          <a:ln w="9525" cap="flat" cmpd="sng" algn="ctr">
+            <a:solidFill>
+              <a:schemeClr val="tx1"/>
+            </a:solidFill>
+            <a:prstDash val="solid"/>
+            <a:round/>
+            <a:headEnd type="none" w="med" len="med"/>
+            <a:tailEnd type="none" w="med" len="med"/>
+          </a:ln>
+          <a:effectLst/>
+          <a:extLst/>
+        </p:spPr>
+        <p:txBody>
+          <a:bodyPr vert="horz" wrap="square" lIns="91440" tIns="45720" rIns="91440" bIns="45720" numCol="1" rtlCol="0" anchor="t" anchorCtr="0" compatLnSpc="1">
+            <a:prstTxWarp prst="textNoShape">
+              <a:avLst/>
+            </a:prstTxWarp>
+          </a:bodyPr>
+          <a:lstStyle/>
+          <a:p>
+            <a:pPr marL="0" marR="0" indent="0" algn="l" defTabSz="914400" rtl="0" eaLnBrk="1" fontAlgn="base" latinLnBrk="0" hangingPunct="1">
+              <a:lnSpc>
+                <a:spcPct val="100000"/>
+              </a:lnSpc>
+              <a:spcBef>
+                <a:spcPct val="0"/>
+              </a:spcBef>
+              <a:spcAft>
+                <a:spcPct val="0"/>
+              </a:spcAft>
+              <a:buClrTx/>
+              <a:buSzTx/>
+              <a:buFontTx/>
+              <a:buNone/>
+              <a:tabLst/>
+            </a:pPr>
+            <a:endParaRPr kumimoji="0" lang="de-DE" sz="1800" b="1" i="0" u="none" strike="noStrike" cap="none" normalizeH="0" baseline="0" smtClean="0">
+              <a:ln>
+                <a:noFill/>
+              </a:ln>
+              <a:solidFill>
+                <a:schemeClr val="tx1"/>
+              </a:solidFill>
+              <a:effectLst/>
+              <a:latin typeface="Arial" panose="020B0604020202020204" pitchFamily="34" charset="0"/>
+            </a:endParaRPr>
+          </a:p>
+        </p:txBody>
+      </p:sp>
+      <p:sp>
+        <p:nvSpPr>
+          <p:cNvPr id="8" name="Rounded Rectangle 7"/>
+          <p:cNvSpPr/>
+          <p:nvPr/>
+        </p:nvSpPr>
+        <p:spPr bwMode="auto">
+          <a:xfrm>
+            <a:off x="3243957" y="2092747"/>
+            <a:ext cx="3420000" cy="324000"/>
+          </a:xfrm>
+          <a:prstGeom prst="roundRect">
+            <a:avLst/>
+          </a:prstGeom>
+          <a:solidFill>
+            <a:srgbClr val="006600">
+              <a:alpha val="20000"/>
+            </a:srgbClr>
+          </a:solidFill>
+          <a:ln w="9525" cap="flat" cmpd="sng" algn="ctr">
+            <a:solidFill>
+              <a:schemeClr val="tx1"/>
+            </a:solidFill>
+            <a:prstDash val="solid"/>
+            <a:round/>
+            <a:headEnd type="none" w="med" len="med"/>
+            <a:tailEnd type="none" w="med" len="med"/>
+          </a:ln>
+          <a:effectLst/>
+          <a:extLst/>
+        </p:spPr>
+        <p:txBody>
+          <a:bodyPr vert="horz" wrap="square" lIns="91440" tIns="45720" rIns="91440" bIns="45720" numCol="1" rtlCol="0" anchor="t" anchorCtr="0" compatLnSpc="1">
+            <a:prstTxWarp prst="textNoShape">
+              <a:avLst/>
+            </a:prstTxWarp>
+          </a:bodyPr>
+          <a:lstStyle/>
+          <a:p>
+            <a:pPr marL="0" marR="0" indent="0" algn="l" defTabSz="914400" rtl="0" eaLnBrk="1" fontAlgn="base" latinLnBrk="0" hangingPunct="1">
+              <a:lnSpc>
+                <a:spcPct val="100000"/>
+              </a:lnSpc>
+              <a:spcBef>
+                <a:spcPct val="0"/>
+              </a:spcBef>
+              <a:spcAft>
+                <a:spcPct val="0"/>
+              </a:spcAft>
+              <a:buClrTx/>
+              <a:buSzTx/>
+              <a:buFontTx/>
+              <a:buNone/>
+              <a:tabLst/>
+            </a:pPr>
+            <a:endParaRPr kumimoji="0" lang="de-DE" sz="1800" b="1" i="0" u="none" strike="noStrike" cap="none" normalizeH="0" baseline="0" smtClean="0">
+              <a:ln>
+                <a:noFill/>
+              </a:ln>
+              <a:solidFill>
+                <a:schemeClr val="tx1"/>
+              </a:solidFill>
+              <a:effectLst/>
+              <a:latin typeface="Arial" panose="020B0604020202020204" pitchFamily="34" charset="0"/>
+            </a:endParaRPr>
+          </a:p>
+        </p:txBody>
+      </p:sp>
+      <p:sp>
+        <p:nvSpPr>
+          <p:cNvPr id="10" name="Rounded Rectangle 9"/>
+          <p:cNvSpPr/>
+          <p:nvPr/>
+        </p:nvSpPr>
+        <p:spPr bwMode="auto">
+          <a:xfrm>
+            <a:off x="4432509" y="3979729"/>
+            <a:ext cx="2916000" cy="324000"/>
+          </a:xfrm>
+          <a:prstGeom prst="roundRect">
+            <a:avLst/>
+          </a:prstGeom>
+          <a:solidFill>
+            <a:srgbClr val="006600">
+              <a:alpha val="20000"/>
+            </a:srgbClr>
+          </a:solidFill>
+          <a:ln w="9525" cap="flat" cmpd="sng" algn="ctr">
+            <a:solidFill>
+              <a:schemeClr val="tx1"/>
+            </a:solidFill>
+            <a:prstDash val="solid"/>
+            <a:round/>
+            <a:headEnd type="none" w="med" len="med"/>
+            <a:tailEnd type="none" w="med" len="med"/>
+          </a:ln>
+          <a:effectLst/>
+          <a:extLst/>
+        </p:spPr>
+        <p:txBody>
+          <a:bodyPr vert="horz" wrap="square" lIns="91440" tIns="45720" rIns="91440" bIns="45720" numCol="1" rtlCol="0" anchor="t" anchorCtr="0" compatLnSpc="1">
+            <a:prstTxWarp prst="textNoShape">
+              <a:avLst/>
+            </a:prstTxWarp>
+          </a:bodyPr>
+          <a:lstStyle/>
+          <a:p>
+            <a:pPr marL="0" marR="0" indent="0" algn="l" defTabSz="914400" rtl="0" eaLnBrk="1" fontAlgn="base" latinLnBrk="0" hangingPunct="1">
+              <a:lnSpc>
+                <a:spcPct val="100000"/>
+              </a:lnSpc>
+              <a:spcBef>
+                <a:spcPct val="0"/>
+              </a:spcBef>
+              <a:spcAft>
+                <a:spcPct val="0"/>
+              </a:spcAft>
+              <a:buClrTx/>
+              <a:buSzTx/>
+              <a:buFontTx/>
+              <a:buNone/>
+              <a:tabLst/>
+            </a:pPr>
+            <a:endParaRPr kumimoji="0" lang="de-DE" sz="1800" b="1" i="0" u="none" strike="noStrike" cap="none" normalizeH="0" baseline="0" smtClean="0">
+              <a:ln>
+                <a:noFill/>
+              </a:ln>
+              <a:solidFill>
+                <a:schemeClr val="tx1"/>
+              </a:solidFill>
+              <a:effectLst/>
+              <a:latin typeface="Arial" panose="020B0604020202020204" pitchFamily="34" charset="0"/>
+            </a:endParaRPr>
+          </a:p>
+        </p:txBody>
+      </p:sp>
+      <p:sp>
+        <p:nvSpPr>
+          <p:cNvPr id="11" name="Rounded Rectangle 10"/>
+          <p:cNvSpPr/>
+          <p:nvPr/>
+        </p:nvSpPr>
+        <p:spPr bwMode="auto">
+          <a:xfrm>
+            <a:off x="3898785" y="4793150"/>
+            <a:ext cx="1584000" cy="288000"/>
+          </a:xfrm>
+          <a:prstGeom prst="roundRect">
+            <a:avLst/>
+          </a:prstGeom>
+          <a:noFill/>
+          <a:ln w="25400" cap="flat" cmpd="sng" algn="ctr">
+            <a:solidFill>
+              <a:srgbClr val="FF0000"/>
+            </a:solidFill>
+            <a:prstDash val="solid"/>
+            <a:round/>
+            <a:headEnd type="none" w="med" len="med"/>
+            <a:tailEnd type="none" w="med" len="med"/>
+          </a:ln>
+          <a:effectLst/>
+          <a:extLst/>
+        </p:spPr>
+        <p:txBody>
+          <a:bodyPr vert="horz" wrap="square" lIns="91440" tIns="45720" rIns="91440" bIns="45720" numCol="1" rtlCol="0" anchor="t" anchorCtr="0" compatLnSpc="1">
+            <a:prstTxWarp prst="textNoShape">
+              <a:avLst/>
+            </a:prstTxWarp>
+          </a:bodyPr>
+          <a:lstStyle/>
+          <a:p>
+            <a:pPr marL="0" marR="0" indent="0" algn="l" defTabSz="914400" rtl="0" eaLnBrk="1" fontAlgn="base" latinLnBrk="0" hangingPunct="1">
+              <a:lnSpc>
+                <a:spcPct val="100000"/>
+              </a:lnSpc>
+              <a:spcBef>
+                <a:spcPct val="0"/>
+              </a:spcBef>
+              <a:spcAft>
+                <a:spcPct val="0"/>
+              </a:spcAft>
+              <a:buClrTx/>
+              <a:buSzTx/>
+              <a:buFontTx/>
+              <a:buNone/>
+              <a:tabLst/>
+            </a:pPr>
+            <a:endParaRPr kumimoji="0" lang="de-DE" sz="1800" b="1" i="0" u="none" strike="noStrike" cap="none" normalizeH="0" baseline="0" smtClean="0">
+              <a:ln>
+                <a:noFill/>
+              </a:ln>
+              <a:solidFill>
+                <a:schemeClr val="tx1"/>
+              </a:solidFill>
+              <a:effectLst/>
+              <a:latin typeface="Arial" panose="020B0604020202020204" pitchFamily="34" charset="0"/>
+            </a:endParaRPr>
+          </a:p>
+        </p:txBody>
+      </p:sp>
     </p:spTree>
     <p:extLst>
       <p:ext uri="{BB962C8B-B14F-4D97-AF65-F5344CB8AC3E}">
-        <p14:creationId xmlns:p14="http://schemas.microsoft.com/office/powerpoint/2010/main" val="1329057294"/>
+        <p14:creationId xmlns:p14="http://schemas.microsoft.com/office/powerpoint/2010/main" val="3475278995"/>
       </p:ext>
     </p:extLst>
   </p:cSld>
@@ -18230,9 +18810,126 @@
   <p:timing>
     <p:tnLst>
       <p:par>
-        <p:cTn id="1" dur="indefinite" restart="never" nodeType="tmRoot"/>
+        <p:cTn id="1" dur="indefinite" restart="never" nodeType="tmRoot">
+          <p:childTnLst>
+            <p:seq concurrent="1" nextAc="seek">
+              <p:cTn id="2" dur="indefinite" nodeType="mainSeq">
+                <p:childTnLst>
+                  <p:par>
+                    <p:cTn id="3" fill="hold">
+                      <p:stCondLst>
+                        <p:cond delay="indefinite"/>
+                      </p:stCondLst>
+                      <p:childTnLst>
+                        <p:par>
+                          <p:cTn id="4" fill="hold">
+                            <p:stCondLst>
+                              <p:cond delay="0"/>
+                            </p:stCondLst>
+                            <p:childTnLst>
+                              <p:par>
+                                <p:cTn id="5" presetID="1" presetClass="entr" presetSubtype="0" fill="hold" grpId="0" nodeType="clickEffect">
+                                  <p:stCondLst>
+                                    <p:cond delay="0"/>
+                                  </p:stCondLst>
+                                  <p:childTnLst>
+                                    <p:set>
+                                      <p:cBhvr>
+                                        <p:cTn id="6" dur="1" fill="hold">
+                                          <p:stCondLst>
+                                            <p:cond delay="0"/>
+                                          </p:stCondLst>
+                                        </p:cTn>
+                                        <p:tgtEl>
+                                          <p:spTgt spid="10"/>
+                                        </p:tgtEl>
+                                        <p:attrNameLst>
+                                          <p:attrName>style.visibility</p:attrName>
+                                        </p:attrNameLst>
+                                      </p:cBhvr>
+                                      <p:to>
+                                        <p:strVal val="visible"/>
+                                      </p:to>
+                                    </p:set>
+                                  </p:childTnLst>
+                                </p:cTn>
+                              </p:par>
+                            </p:childTnLst>
+                          </p:cTn>
+                        </p:par>
+                      </p:childTnLst>
+                    </p:cTn>
+                  </p:par>
+                  <p:par>
+                    <p:cTn id="7" fill="hold">
+                      <p:stCondLst>
+                        <p:cond delay="indefinite"/>
+                      </p:stCondLst>
+                      <p:childTnLst>
+                        <p:par>
+                          <p:cTn id="8" fill="hold">
+                            <p:stCondLst>
+                              <p:cond delay="0"/>
+                            </p:stCondLst>
+                            <p:childTnLst>
+                              <p:par>
+                                <p:cTn id="9" presetID="1" presetClass="entr" presetSubtype="0" fill="hold" grpId="0" nodeType="clickEffect">
+                                  <p:stCondLst>
+                                    <p:cond delay="0"/>
+                                  </p:stCondLst>
+                                  <p:childTnLst>
+                                    <p:set>
+                                      <p:cBhvr>
+                                        <p:cTn id="10" dur="1" fill="hold">
+                                          <p:stCondLst>
+                                            <p:cond delay="0"/>
+                                          </p:stCondLst>
+                                        </p:cTn>
+                                        <p:tgtEl>
+                                          <p:spTgt spid="11"/>
+                                        </p:tgtEl>
+                                        <p:attrNameLst>
+                                          <p:attrName>style.visibility</p:attrName>
+                                        </p:attrNameLst>
+                                      </p:cBhvr>
+                                      <p:to>
+                                        <p:strVal val="visible"/>
+                                      </p:to>
+                                    </p:set>
+                                  </p:childTnLst>
+                                </p:cTn>
+                              </p:par>
+                            </p:childTnLst>
+                          </p:cTn>
+                        </p:par>
+                      </p:childTnLst>
+                    </p:cTn>
+                  </p:par>
+                </p:childTnLst>
+              </p:cTn>
+              <p:prevCondLst>
+                <p:cond evt="onPrev" delay="0">
+                  <p:tgtEl>
+                    <p:sldTgt/>
+                  </p:tgtEl>
+                </p:cond>
+              </p:prevCondLst>
+              <p:nextCondLst>
+                <p:cond evt="onNext" delay="0">
+                  <p:tgtEl>
+                    <p:sldTgt/>
+                  </p:tgtEl>
+                </p:cond>
+              </p:nextCondLst>
+            </p:seq>
+          </p:childTnLst>
+        </p:cTn>
       </p:par>
     </p:tnLst>
+    <p:bldLst>
+      <p:bldP spid="10" grpId="0" animBg="1"/>
+      <p:bldP spid="11" grpId="0" animBg="1"/>
+    </p:bldLst>
   </p:timing>
 </p:sld>
 </file>
@@ -18688,34 +19385,7 @@
                                           </p:stCondLst>
                                         </p:cTn>
                                         <p:tgtEl>
-                                          <p:spTgt spid="9"/>
-                                        </p:tgtEl>
-                                        <p:attrNameLst>
-                                          <p:attrName>style.visibility</p:attrName>
-                                        </p:attrNameLst>
-                                      </p:cBhvr>
-                                      <p:to>
-                                        <p:strVal val="visible"/>
-                                      </p:to>
-                                    </p:set>
-                                  </p:childTnLst>
-                                </p:cTn>
-                              </p:par>
-                              <p:par>
-                                <p:cTn id="7" presetID="1" presetClass="entr" presetSubtype="0" fill="hold" grpId="0" nodeType="withEffect">
-                                  <p:stCondLst>
-                                    <p:cond delay="0"/>
-                                  </p:stCondLst>
-                                  <p:childTnLst>
-                                    <p:set>
-                                      <p:cBhvr>
-                                        <p:cTn id="8" dur="1" fill="hold">
-                                          <p:stCondLst>
-                                            <p:cond delay="0"/>
-                                          </p:stCondLst>
-                                        </p:cTn>
-                                        <p:tgtEl>
-                                          <p:spTgt spid="10"/>
+                                          <p:spTgt spid="11"/>
                                         </p:tgtEl>
                                         <p:attrNameLst>
                                           <p:attrName>style.visibility</p:attrName>
@@ -18735,19 +19405,46 @@
                     </p:cTn>
                   </p:par>
                   <p:par>
-                    <p:cTn id="9" fill="hold">
+                    <p:cTn id="7" fill="hold">
                       <p:stCondLst>
                         <p:cond delay="indefinite"/>
                       </p:stCondLst>
                       <p:childTnLst>
                         <p:par>
-                          <p:cTn id="10" fill="hold">
+                          <p:cTn id="8" fill="hold">
                             <p:stCondLst>
                               <p:cond delay="0"/>
                             </p:stCondLst>
                             <p:childTnLst>
                               <p:par>
-                                <p:cTn id="11" presetID="1" presetClass="entr" presetSubtype="0" fill="hold" grpId="0" nodeType="clickEffect">
+                                <p:cTn id="9" presetID="1" presetClass="entr" presetSubtype="0" fill="hold" grpId="0" nodeType="clickEffect">
+                                  <p:stCondLst>
+                                    <p:cond delay="0"/>
+                                  </p:stCondLst>
+                                  <p:childTnLst>
+                                    <p:set>
+                                      <p:cBhvr>
+                                        <p:cTn id="10" dur="1" fill="hold">
+                                          <p:stCondLst>
+                                            <p:cond delay="0"/>
+                                          </p:stCondLst>
+                                        </p:cTn>
+                                        <p:tgtEl>
+                                          <p:spTgt spid="9"/>
+                                        </p:tgtEl>
+                                        <p:attrNameLst>
+                                          <p:attrName>style.visibility</p:attrName>
+                                        </p:attrNameLst>
+                                      </p:cBhvr>
+                                      <p:to>
+                                        <p:strVal val="visible"/>
+                                      </p:to>
+                                    </p:set>
+                                  </p:childTnLst>
+                                </p:cTn>
+                              </p:par>
+                              <p:par>
+                                <p:cTn id="11" presetID="1" presetClass="entr" presetSubtype="0" fill="hold" grpId="0" nodeType="withEffect">
                                   <p:stCondLst>
                                     <p:cond delay="0"/>
                                   </p:stCondLst>
@@ -18760,7 +19457,7 @@
                                           </p:stCondLst>
                                         </p:cTn>
                                         <p:tgtEl>
-                                          <p:spTgt spid="11"/>
+                                          <p:spTgt spid="10"/>
                                         </p:tgtEl>
                                         <p:attrNameLst>
                                           <p:attrName>style.visibility</p:attrName>
@@ -23976,15 +24673,7 @@
             </a:r>
             <a:r>
               <a:rPr lang="de-DE" smtClean="0"/>
-              <a:t>  </a:t>
-            </a:r>
-            <a:r>
-              <a:rPr lang="de-DE" smtClean="0"/>
-              <a:t>available in </a:t>
-            </a:r>
-            <a:r>
-              <a:rPr lang="de-DE" smtClean="0"/>
-              <a:t>value shapes</a:t>
+              <a:t>  available in value shapes</a:t>
             </a:r>
             <a:endParaRPr lang="de-DE"/>
           </a:p>
@@ -24047,15 +24736,7 @@
                   <a:srgbClr val="0070C0"/>
                 </a:solidFill>
               </a:rPr>
-              <a:t>Literal </a:t>
-            </a:r>
-            <a:r>
-              <a:rPr lang="de-DE" sz="2000" smtClean="0">
-                <a:solidFill>
-                  <a:srgbClr val="0070C0"/>
-                </a:solidFill>
-              </a:rPr>
-              <a:t>parameters</a:t>
+              <a:t>Literal parameters</a:t>
             </a:r>
           </a:p>
           <a:p>
@@ -24073,11 +24754,7 @@
           <a:p>
             <a:r>
               <a:rPr lang="de-DE" sz="2000" smtClean="0"/>
-              <a:t>  </a:t>
-            </a:r>
-            <a:r>
-              <a:rPr lang="de-DE" sz="2000" smtClean="0"/>
-              <a:t>count minCount maxCount</a:t>
+              <a:t>  count minCount maxCount</a:t>
             </a:r>
           </a:p>
           <a:p>
@@ -24090,11 +24767,7 @@
           <a:p>
             <a:r>
               <a:rPr lang="de-DE" sz="2000" smtClean="0"/>
-              <a:t>  eq ne gt ge lt </a:t>
-            </a:r>
-            <a:r>
-              <a:rPr lang="de-DE" sz="2000" smtClean="0"/>
-              <a:t>le</a:t>
+              <a:t>  eq ne gt ge lt le</a:t>
             </a:r>
           </a:p>
           <a:p>
@@ -24106,7 +24779,6 @@
               <a:rPr lang="de-DE" sz="2000" smtClean="0"/>
               <a:t> length minLength maxLength</a:t>
             </a:r>
-            <a:endParaRPr lang="de-DE" sz="2000" smtClean="0"/>
           </a:p>
           <a:p>
             <a:r>

--- a/documentation/greenfox-xmlprague-2020.pptx
+++ b/documentation/greenfox-xmlprague-2020.pptx
@@ -27978,7 +27978,7 @@
                                           </p:stCondLst>
                                         </p:cTn>
                                         <p:tgtEl>
-                                          <p:spTgt spid="11"/>
+                                          <p:spTgt spid="17"/>
                                         </p:tgtEl>
                                         <p:attrNameLst>
                                           <p:attrName>style.visibility</p:attrName>
@@ -28023,7 +28023,7 @@
                                           </p:stCondLst>
                                         </p:cTn>
                                         <p:tgtEl>
-                                          <p:spTgt spid="17"/>
+                                          <p:spTgt spid="11"/>
                                         </p:tgtEl>
                                         <p:attrNameLst>
                                           <p:attrName>style.visibility</p:attrName>
@@ -30303,38 +30303,48 @@
             <a:r>
               <a:rPr lang="de-DE" smtClean="0">
                 <a:solidFill>
-                  <a:srgbClr val="006600"/>
+                  <a:srgbClr val="CC0000"/>
                 </a:solidFill>
               </a:rPr>
               <a:t>Implementation</a:t>
             </a:r>
             <a:endParaRPr lang="de-DE">
               <a:solidFill>
-                <a:srgbClr val="006600"/>
+                <a:srgbClr val="CC0000"/>
               </a:solidFill>
             </a:endParaRPr>
           </a:p>
         </p:txBody>
       </p:sp>
-      <p:sp>
-        <p:nvSpPr>
-          <p:cNvPr id="3" name="Content Placeholder 2"/>
-          <p:cNvSpPr>
-            <a:spLocks noGrp="1"/>
-          </p:cNvSpPr>
+      <p:pic>
+        <p:nvPicPr>
+          <p:cNvPr id="9" name="Content Placeholder 8"/>
+          <p:cNvPicPr>
+            <a:picLocks noGrp="1" noChangeAspect="1"/>
+          </p:cNvPicPr>
           <p:nvPr>
             <p:ph idx="1"/>
           </p:nvPr>
-        </p:nvSpPr>
-        <p:spPr/>
-        <p:txBody>
-          <a:bodyPr/>
-          <a:lstStyle/>
-          <a:p>
-            <a:endParaRPr lang="de-DE"/>
-          </a:p>
-        </p:txBody>
-      </p:sp>
+        </p:nvPicPr>
+        <p:blipFill>
+          <a:blip r:embed="rId2">
+            <a:extLst>
+              <a:ext uri="{28A0092B-C50C-407E-A947-70E740481C1C}">
+                <a14:useLocalDpi xmlns:a14="http://schemas.microsoft.com/office/drawing/2010/main" val="0"/>
+              </a:ext>
+            </a:extLst>
+          </a:blip>
+          <a:stretch>
+            <a:fillRect/>
+          </a:stretch>
+        </p:blipFill>
+        <p:spPr>
+          <a:xfrm>
+            <a:off x="7454478" y="-10647"/>
+            <a:ext cx="1685925" cy="1685925"/>
+          </a:xfrm>
+        </p:spPr>
+      </p:pic>
       <p:sp>
         <p:nvSpPr>
           <p:cNvPr id="4" name="Date Placeholder 3"/>

--- a/documentation/greenfox-xmlprague-2020.pptx
+++ b/documentation/greenfox-xmlprague-2020.pptx
@@ -30,11 +30,11 @@
     <p:sldId id="1208" r:id="rId18"/>
     <p:sldId id="1181" r:id="rId19"/>
     <p:sldId id="1190" r:id="rId20"/>
-    <p:sldId id="1215" r:id="rId21"/>
-    <p:sldId id="1216" r:id="rId22"/>
-    <p:sldId id="1179" r:id="rId23"/>
-    <p:sldId id="1182" r:id="rId24"/>
-    <p:sldId id="1183" r:id="rId25"/>
+    <p:sldId id="1216" r:id="rId21"/>
+    <p:sldId id="1179" r:id="rId22"/>
+    <p:sldId id="1182" r:id="rId23"/>
+    <p:sldId id="1183" r:id="rId24"/>
+    <p:sldId id="1215" r:id="rId25"/>
     <p:sldId id="1184" r:id="rId26"/>
     <p:sldId id="1165" r:id="rId27"/>
     <p:sldId id="1180" r:id="rId28"/>
@@ -2655,11 +2655,11 @@
           <a:p>
             <a:r>
               <a:rPr lang="de-DE" smtClean="0"/>
-              <a:t>There are quite a few constraint components available for constraining</a:t>
+              <a:t>Resource values can also be compared to literal values, but also to the value</a:t>
             </a:r>
             <a:r>
               <a:rPr lang="de-DE" baseline="0" smtClean="0"/>
-              <a:t> resource values.</a:t>
+              <a:t> of a second expression.</a:t>
             </a:r>
             <a:endParaRPr lang="de-DE"/>
           </a:p>
@@ -2697,7 +2697,7 @@
     </p:spTree>
     <p:extLst>
       <p:ext uri="{BB962C8B-B14F-4D97-AF65-F5344CB8AC3E}">
-        <p14:creationId xmlns:p14="http://schemas.microsoft.com/office/powerpoint/2010/main" val="2104392023"/>
+        <p14:creationId xmlns:p14="http://schemas.microsoft.com/office/powerpoint/2010/main" val="2665892128"/>
       </p:ext>
     </p:extLst>
   </p:cSld>
@@ -2753,11 +2753,11 @@
           <a:p>
             <a:r>
               <a:rPr lang="de-DE" smtClean="0"/>
-              <a:t>Resource values can also be compared to literal values, but also to the value</a:t>
+              <a:t>Here comes an example of a folder using foxpath value shapes for ensuring some basic qualities. The resource</a:t>
             </a:r>
             <a:r>
               <a:rPr lang="de-DE" baseline="0" smtClean="0"/>
-              <a:t> of a second expression.</a:t>
+              <a:t> values defined are: (a) empty files; (b) ill-formed XML files; (c) ill-formed JSON files. In all cases the value is submitted to the EmptyExpressionValue constraint. Violations will be listed in the validation results.</a:t>
             </a:r>
             <a:endParaRPr lang="de-DE"/>
           </a:p>
@@ -2795,7 +2795,7 @@
     </p:spTree>
     <p:extLst>
       <p:ext uri="{BB962C8B-B14F-4D97-AF65-F5344CB8AC3E}">
-        <p14:creationId xmlns:p14="http://schemas.microsoft.com/office/powerpoint/2010/main" val="2665892128"/>
+        <p14:creationId xmlns:p14="http://schemas.microsoft.com/office/powerpoint/2010/main" val="2713434532"/>
       </p:ext>
     </p:extLst>
   </p:cSld>
@@ -2851,11 +2851,19 @@
           <a:p>
             <a:r>
               <a:rPr lang="de-DE" smtClean="0"/>
-              <a:t>Here comes an example of a folder using foxpath value shapes for ensuring some basic qualities. The resource</a:t>
+              <a:t>And here comes an example of an external resource value – a value found </a:t>
             </a:r>
             <a:r>
               <a:rPr lang="de-DE" baseline="0" smtClean="0"/>
-              <a:t> values defined are: (a) empty files; (b) ill-formed XML files; (c) ill-formed JSON files. In all cases the value is submitted to the EmptyExpressionValue constraint. Violations will be listed in the validation results.</a:t>
+              <a:t>outside of the resource. The foxpath expression returns the </a:t>
+            </a:r>
+            <a:r>
+              <a:rPr lang="de-DE" i="1" baseline="0" smtClean="0"/>
+              <a:t>expected</a:t>
+            </a:r>
+            <a:r>
+              <a:rPr lang="de-DE" baseline="0" smtClean="0"/>
+              <a:t> return code, fetched from the appropriate cell in a CSV file found in the environment of the resource being validated.</a:t>
             </a:r>
             <a:endParaRPr lang="de-DE"/>
           </a:p>
@@ -2893,7 +2901,7 @@
     </p:spTree>
     <p:extLst>
       <p:ext uri="{BB962C8B-B14F-4D97-AF65-F5344CB8AC3E}">
-        <p14:creationId xmlns:p14="http://schemas.microsoft.com/office/powerpoint/2010/main" val="2713434532"/>
+        <p14:creationId xmlns:p14="http://schemas.microsoft.com/office/powerpoint/2010/main" val="2551796588"/>
       </p:ext>
     </p:extLst>
   </p:cSld>
@@ -2949,19 +2957,11 @@
           <a:p>
             <a:r>
               <a:rPr lang="de-DE" smtClean="0"/>
-              <a:t>And here comes an example of an external resource value – a value found </a:t>
+              <a:t>By default, the</a:t>
             </a:r>
             <a:r>
               <a:rPr lang="de-DE" baseline="0" smtClean="0"/>
-              <a:t>outside of the resource. The foxpath expression returns the </a:t>
-            </a:r>
-            <a:r>
-              <a:rPr lang="de-DE" i="1" baseline="0" smtClean="0"/>
-              <a:t>expected</a:t>
-            </a:r>
-            <a:r>
-              <a:rPr lang="de-DE" baseline="0" smtClean="0"/>
-              <a:t> return code, fetched from the appropriate cell in a CSV file found in the environment of the resource being validated.</a:t>
+              <a:t> resource value expression is evaluated in the context of the target resource. This may be inconvenient, for example if you would like to check several attributes on an element selected by a non-trivial selection. This selection would have to be repeated as part of the expressions returning those attributes. You can avoid this by using &lt;focusNode&gt;s, which select the context nodes to be used by the value shapes which they contain. As focus nodes may be nested, value shapes can be arranged in a tree of &lt;focusNode&gt;s describing a traversal of the target resource.</a:t>
             </a:r>
             <a:endParaRPr lang="de-DE"/>
           </a:p>
@@ -2999,7 +2999,7 @@
     </p:spTree>
     <p:extLst>
       <p:ext uri="{BB962C8B-B14F-4D97-AF65-F5344CB8AC3E}">
-        <p14:creationId xmlns:p14="http://schemas.microsoft.com/office/powerpoint/2010/main" val="2551796588"/>
+        <p14:creationId xmlns:p14="http://schemas.microsoft.com/office/powerpoint/2010/main" val="1374758302"/>
       </p:ext>
     </p:extLst>
   </p:cSld>
@@ -3055,11 +3055,7 @@
           <a:p>
             <a:r>
               <a:rPr lang="de-DE" smtClean="0"/>
-              <a:t>By default, the</a:t>
-            </a:r>
-            <a:r>
-              <a:rPr lang="de-DE" baseline="0" smtClean="0"/>
-              <a:t> resource value expression is evaluated in the context of the target resource. This may be inconvenient, for example if you would like to check several attributes on an element selected by a non-trivial selection. This selection would have to be repeated as part of the expressions returning those attributes. You can avoid this by using &lt;focusNode&gt;s, which select the context nodes to be used by the value shapes which they contain. As focus nodes may be nested, value shapes can be arranged in a tree of &lt;focusNode&gt;s describing a traversal of the target resource.</a:t>
+              <a:t>This slide lists the constraint components currently available.</a:t>
             </a:r>
             <a:endParaRPr lang="de-DE"/>
           </a:p>
@@ -3097,7 +3093,7 @@
     </p:spTree>
     <p:extLst>
       <p:ext uri="{BB962C8B-B14F-4D97-AF65-F5344CB8AC3E}">
-        <p14:creationId xmlns:p14="http://schemas.microsoft.com/office/powerpoint/2010/main" val="1374758302"/>
+        <p14:creationId xmlns:p14="http://schemas.microsoft.com/office/powerpoint/2010/main" val="2104392023"/>
       </p:ext>
     </p:extLst>
   </p:cSld>
@@ -17874,6 +17870,36 @@
           </a:p>
         </p:txBody>
       </p:sp>
+      <p:pic>
+        <p:nvPicPr>
+          <p:cNvPr id="2" name="Picture 1"/>
+          <p:cNvPicPr>
+            <a:picLocks noChangeAspect="1"/>
+          </p:cNvPicPr>
+          <p:nvPr/>
+        </p:nvPicPr>
+        <p:blipFill>
+          <a:blip r:embed="rId3" cstate="print">
+            <a:extLst>
+              <a:ext uri="{28A0092B-C50C-407E-A947-70E740481C1C}">
+                <a14:useLocalDpi xmlns:a14="http://schemas.microsoft.com/office/drawing/2010/main" val="0"/>
+              </a:ext>
+            </a:extLst>
+          </a:blip>
+          <a:stretch>
+            <a:fillRect/>
+          </a:stretch>
+        </p:blipFill>
+        <p:spPr>
+          <a:xfrm>
+            <a:off x="6872733" y="298662"/>
+            <a:ext cx="2267744" cy="1690178"/>
+          </a:xfrm>
+          <a:prstGeom prst="rect">
+            <a:avLst/>
+          </a:prstGeom>
+        </p:spPr>
+      </p:pic>
     </p:spTree>
     <p:extLst>
       <p:ext uri="{BB962C8B-B14F-4D97-AF65-F5344CB8AC3E}">
@@ -18418,7 +18444,15 @@
             </a:br>
             <a:r>
               <a:rPr lang="de-DE" smtClean="0"/>
-              <a:t>  if outer then inner B</a:t>
+              <a:t>  if outer </a:t>
+            </a:r>
+            <a:r>
+              <a:rPr lang="de-DE" smtClean="0"/>
+              <a:t>target, then </a:t>
+            </a:r>
+            <a:r>
+              <a:rPr lang="de-DE" smtClean="0"/>
+              <a:t>inner </a:t>
             </a:r>
             <a:endParaRPr lang="de-DE"/>
           </a:p>
@@ -24662,20 +24696,61 @@
           <a:p>
             <a:r>
               <a:rPr lang="de-DE" smtClean="0"/>
-              <a:t>Constraint componets</a:t>
-            </a:r>
-            <a:br>
-              <a:rPr lang="de-DE" smtClean="0"/>
-            </a:br>
-            <a:r>
-              <a:rPr lang="de-DE"/>
-              <a:t> </a:t>
-            </a:r>
-            <a:r>
-              <a:rPr lang="de-DE" smtClean="0"/>
-              <a:t>  available in value shapes</a:t>
+              <a:t>Expression tandems</a:t>
             </a:r>
             <a:endParaRPr lang="de-DE"/>
+          </a:p>
+        </p:txBody>
+      </p:sp>
+      <p:sp>
+        <p:nvSpPr>
+          <p:cNvPr id="4" name="Date Placeholder 3"/>
+          <p:cNvSpPr>
+            <a:spLocks noGrp="1"/>
+          </p:cNvSpPr>
+          <p:nvPr>
+            <p:ph type="dt" sz="half" idx="10"/>
+          </p:nvPr>
+        </p:nvSpPr>
+        <p:spPr/>
+        <p:txBody>
+          <a:bodyPr/>
+          <a:lstStyle/>
+          <a:p>
+            <a:pPr>
+              <a:defRPr/>
+            </a:pPr>
+            <a:r>
+              <a:rPr lang="de-DE" altLang="de-DE" smtClean="0"/>
+              <a:t>2020-02-15</a:t>
+            </a:r>
+            <a:endParaRPr lang="de-DE" altLang="en-US"/>
+          </a:p>
+        </p:txBody>
+      </p:sp>
+      <p:sp>
+        <p:nvSpPr>
+          <p:cNvPr id="5" name="Footer Placeholder 4"/>
+          <p:cNvSpPr>
+            <a:spLocks noGrp="1"/>
+          </p:cNvSpPr>
+          <p:nvPr>
+            <p:ph type="ftr" sz="quarter" idx="11"/>
+          </p:nvPr>
+        </p:nvSpPr>
+        <p:spPr/>
+        <p:txBody>
+          <a:bodyPr/>
+          <a:lstStyle/>
+          <a:p>
+            <a:pPr>
+              <a:defRPr/>
+            </a:pPr>
+            <a:r>
+              <a:rPr lang="de-DE" altLang="en-US" smtClean="0"/>
+              <a:t>Greenfox</a:t>
+            </a:r>
+            <a:endParaRPr lang="de-DE" altLang="en-US"/>
           </a:p>
         </p:txBody>
       </p:sp>
@@ -24703,275 +24778,6 @@
                 <a:defRPr/>
               </a:pPr>
               <a:t>20</a:t>
-            </a:fld>
-            <a:endParaRPr lang="de-DE" altLang="en-US"/>
-          </a:p>
-        </p:txBody>
-      </p:sp>
-      <p:sp>
-        <p:nvSpPr>
-          <p:cNvPr id="7" name="TextBox 6"/>
-          <p:cNvSpPr txBox="1"/>
-          <p:nvPr/>
-        </p:nvSpPr>
-        <p:spPr>
-          <a:xfrm>
-            <a:off x="457200" y="1556792"/>
-            <a:ext cx="8180445" cy="4708981"/>
-          </a:xfrm>
-          <a:prstGeom prst="rect">
-            <a:avLst/>
-          </a:prstGeom>
-          <a:noFill/>
-        </p:spPr>
-        <p:txBody>
-          <a:bodyPr wrap="none" rtlCol="0">
-            <a:spAutoFit/>
-          </a:bodyPr>
-          <a:lstStyle/>
-          <a:p>
-            <a:r>
-              <a:rPr lang="de-DE" sz="2000" smtClean="0">
-                <a:solidFill>
-                  <a:srgbClr val="0070C0"/>
-                </a:solidFill>
-              </a:rPr>
-              <a:t>Literal parameters</a:t>
-            </a:r>
-          </a:p>
-          <a:p>
-            <a:r>
-              <a:rPr lang="de-DE" sz="2000" smtClean="0"/>
-              <a:t>  itemsUnique</a:t>
-            </a:r>
-          </a:p>
-          <a:p>
-            <a:r>
-              <a:rPr lang="de-DE" sz="2000" smtClean="0"/>
-              <a:t>  empty exists</a:t>
-            </a:r>
-          </a:p>
-          <a:p>
-            <a:r>
-              <a:rPr lang="de-DE" sz="2000" smtClean="0"/>
-              <a:t>  count minCount maxCount</a:t>
-            </a:r>
-          </a:p>
-          <a:p>
-            <a:r>
-              <a:rPr lang="de-DE" sz="2000" smtClean="0"/>
-              <a:t>  datatype</a:t>
-            </a:r>
-            <a:endParaRPr lang="de-DE" sz="2000"/>
-          </a:p>
-          <a:p>
-            <a:r>
-              <a:rPr lang="de-DE" sz="2000" smtClean="0"/>
-              <a:t>  eq ne gt ge lt le</a:t>
-            </a:r>
-          </a:p>
-          <a:p>
-            <a:r>
-              <a:rPr lang="de-DE" sz="2000"/>
-              <a:t> </a:t>
-            </a:r>
-            <a:r>
-              <a:rPr lang="de-DE" sz="2000" smtClean="0"/>
-              <a:t> length minLength maxLength</a:t>
-            </a:r>
-          </a:p>
-          <a:p>
-            <a:r>
-              <a:rPr lang="de-DE" sz="2000" smtClean="0"/>
-              <a:t>  matches notMatches</a:t>
-            </a:r>
-          </a:p>
-          <a:p>
-            <a:r>
-              <a:rPr lang="de-DE" sz="2000" smtClean="0"/>
-              <a:t>  like notLike</a:t>
-            </a:r>
-          </a:p>
-          <a:p>
-            <a:endParaRPr lang="de-DE" sz="2000"/>
-          </a:p>
-          <a:p>
-            <a:r>
-              <a:rPr lang="de-DE" sz="2000" smtClean="0">
-                <a:solidFill>
-                  <a:srgbClr val="0070C0"/>
-                </a:solidFill>
-              </a:rPr>
-              <a:t>Expression valued parameters</a:t>
-            </a:r>
-          </a:p>
-          <a:p>
-            <a:r>
-              <a:rPr lang="de-DE" sz="2000" smtClean="0"/>
-              <a:t>  eqFoxpath neFoxpath ltFoxpath leFoxpath gtFoxpath geFoxpath</a:t>
-            </a:r>
-          </a:p>
-          <a:p>
-            <a:r>
-              <a:rPr lang="de-DE" sz="2000" smtClean="0"/>
-              <a:t>  eqXPath </a:t>
-            </a:r>
-            <a:r>
-              <a:rPr lang="de-DE" sz="2000"/>
-              <a:t>neXPath ltXPath leXPath gtXPath geXPath</a:t>
-            </a:r>
-          </a:p>
-          <a:p>
-            <a:r>
-              <a:rPr lang="de-DE" sz="2000" smtClean="0"/>
-              <a:t>  inFoxpath containsFoxpath</a:t>
-            </a:r>
-          </a:p>
-          <a:p>
-            <a:r>
-              <a:rPr lang="de-DE" sz="2000" smtClean="0"/>
-              <a:t>  inXPath containsXPath</a:t>
-            </a:r>
-            <a:endParaRPr lang="de-DE" sz="2000"/>
-          </a:p>
-        </p:txBody>
-      </p:sp>
-    </p:spTree>
-    <p:extLst>
-      <p:ext uri="{BB962C8B-B14F-4D97-AF65-F5344CB8AC3E}">
-        <p14:creationId xmlns:p14="http://schemas.microsoft.com/office/powerpoint/2010/main" val="2675809795"/>
-      </p:ext>
-    </p:extLst>
-  </p:cSld>
-  <p:clrMapOvr>
-    <a:masterClrMapping/>
-  </p:clrMapOvr>
-  <p:timing>
-    <p:tnLst>
-      <p:par>
-        <p:cTn id="1" dur="indefinite" restart="never" nodeType="tmRoot"/>
-      </p:par>
-    </p:tnLst>
-  </p:timing>
-</p:sld>
-</file>
-
-<file path=ppt/slides/slide21.xml><?xml version="1.0" encoding="utf-8"?>
-<p:sld xmlns:a="http://schemas.openxmlformats.org/drawingml/2006/main" xmlns:r="http://schemas.openxmlformats.org/officeDocument/2006/relationships" xmlns:p="http://schemas.openxmlformats.org/presentationml/2006/main">
-  <p:cSld>
-    <p:spTree>
-      <p:nvGrpSpPr>
-        <p:cNvPr id="1" name=""/>
-        <p:cNvGrpSpPr/>
-        <p:nvPr/>
-      </p:nvGrpSpPr>
-      <p:grpSpPr>
-        <a:xfrm>
-          <a:off x="0" y="0"/>
-          <a:ext cx="0" cy="0"/>
-          <a:chOff x="0" y="0"/>
-          <a:chExt cx="0" cy="0"/>
-        </a:xfrm>
-      </p:grpSpPr>
-      <p:sp>
-        <p:nvSpPr>
-          <p:cNvPr id="2" name="Title 1"/>
-          <p:cNvSpPr>
-            <a:spLocks noGrp="1"/>
-          </p:cNvSpPr>
-          <p:nvPr>
-            <p:ph type="title"/>
-          </p:nvPr>
-        </p:nvSpPr>
-        <p:spPr/>
-        <p:txBody>
-          <a:bodyPr/>
-          <a:lstStyle/>
-          <a:p>
-            <a:r>
-              <a:rPr lang="de-DE" smtClean="0"/>
-              <a:t>Expression tandems</a:t>
-            </a:r>
-            <a:endParaRPr lang="de-DE"/>
-          </a:p>
-        </p:txBody>
-      </p:sp>
-      <p:sp>
-        <p:nvSpPr>
-          <p:cNvPr id="4" name="Date Placeholder 3"/>
-          <p:cNvSpPr>
-            <a:spLocks noGrp="1"/>
-          </p:cNvSpPr>
-          <p:nvPr>
-            <p:ph type="dt" sz="half" idx="10"/>
-          </p:nvPr>
-        </p:nvSpPr>
-        <p:spPr/>
-        <p:txBody>
-          <a:bodyPr/>
-          <a:lstStyle/>
-          <a:p>
-            <a:pPr>
-              <a:defRPr/>
-            </a:pPr>
-            <a:r>
-              <a:rPr lang="de-DE" altLang="de-DE" smtClean="0"/>
-              <a:t>2020-02-15</a:t>
-            </a:r>
-            <a:endParaRPr lang="de-DE" altLang="en-US"/>
-          </a:p>
-        </p:txBody>
-      </p:sp>
-      <p:sp>
-        <p:nvSpPr>
-          <p:cNvPr id="5" name="Footer Placeholder 4"/>
-          <p:cNvSpPr>
-            <a:spLocks noGrp="1"/>
-          </p:cNvSpPr>
-          <p:nvPr>
-            <p:ph type="ftr" sz="quarter" idx="11"/>
-          </p:nvPr>
-        </p:nvSpPr>
-        <p:spPr/>
-        <p:txBody>
-          <a:bodyPr/>
-          <a:lstStyle/>
-          <a:p>
-            <a:pPr>
-              <a:defRPr/>
-            </a:pPr>
-            <a:r>
-              <a:rPr lang="de-DE" altLang="en-US" smtClean="0"/>
-              <a:t>Greenfox</a:t>
-            </a:r>
-            <a:endParaRPr lang="de-DE" altLang="en-US"/>
-          </a:p>
-        </p:txBody>
-      </p:sp>
-      <p:sp>
-        <p:nvSpPr>
-          <p:cNvPr id="6" name="Slide Number Placeholder 5"/>
-          <p:cNvSpPr>
-            <a:spLocks noGrp="1"/>
-          </p:cNvSpPr>
-          <p:nvPr>
-            <p:ph type="sldNum" sz="quarter" idx="12"/>
-          </p:nvPr>
-        </p:nvSpPr>
-        <p:spPr/>
-        <p:txBody>
-          <a:bodyPr/>
-          <a:lstStyle/>
-          <a:p>
-            <a:pPr>
-              <a:defRPr/>
-            </a:pPr>
-            <a:fld id="{F031B2F4-27D1-4E53-97CF-1947CD75B185}" type="slidenum">
-              <a:rPr lang="de-DE" altLang="en-US" smtClean="0"/>
-              <a:pPr>
-                <a:defRPr/>
-              </a:pPr>
-              <a:t>21</a:t>
             </a:fld>
             <a:endParaRPr lang="de-DE" altLang="en-US"/>
           </a:p>
@@ -25001,6 +24807,142 @@
           </a:prstGeom>
         </p:spPr>
       </p:pic>
+      <p:sp>
+        <p:nvSpPr>
+          <p:cNvPr id="7" name="Rounded Rectangle 6"/>
+          <p:cNvSpPr/>
+          <p:nvPr/>
+        </p:nvSpPr>
+        <p:spPr bwMode="auto">
+          <a:xfrm>
+            <a:off x="2124152" y="3007585"/>
+            <a:ext cx="2736000" cy="252000"/>
+          </a:xfrm>
+          <a:prstGeom prst="roundRect">
+            <a:avLst/>
+          </a:prstGeom>
+          <a:solidFill>
+            <a:srgbClr val="006600">
+              <a:alpha val="20000"/>
+            </a:srgbClr>
+          </a:solidFill>
+          <a:ln w="9525" cap="flat" cmpd="sng" algn="ctr">
+            <a:solidFill>
+              <a:schemeClr val="tx1"/>
+            </a:solidFill>
+            <a:prstDash val="solid"/>
+            <a:round/>
+            <a:headEnd type="none" w="med" len="med"/>
+            <a:tailEnd type="none" w="med" len="med"/>
+          </a:ln>
+          <a:effectLst/>
+          <a:extLst/>
+        </p:spPr>
+        <p:txBody>
+          <a:bodyPr vert="horz" wrap="square" lIns="91440" tIns="45720" rIns="91440" bIns="45720" numCol="1" rtlCol="0" anchor="t" anchorCtr="0" compatLnSpc="1">
+            <a:prstTxWarp prst="textNoShape">
+              <a:avLst/>
+            </a:prstTxWarp>
+          </a:bodyPr>
+          <a:lstStyle/>
+          <a:p>
+            <a:pPr marL="0" marR="0" indent="0" algn="l" defTabSz="914400" rtl="0" eaLnBrk="1" fontAlgn="base" latinLnBrk="0" hangingPunct="1">
+              <a:lnSpc>
+                <a:spcPct val="100000"/>
+              </a:lnSpc>
+              <a:spcBef>
+                <a:spcPct val="0"/>
+              </a:spcBef>
+              <a:spcAft>
+                <a:spcPct val="0"/>
+              </a:spcAft>
+              <a:buClrTx/>
+              <a:buSzTx/>
+              <a:buFontTx/>
+              <a:buNone/>
+              <a:tabLst/>
+            </a:pPr>
+            <a:endParaRPr kumimoji="0" lang="de-DE" sz="1800" b="1" i="0" u="none" strike="noStrike" cap="none" normalizeH="0" baseline="0" smtClean="0">
+              <a:ln>
+                <a:noFill/>
+              </a:ln>
+              <a:solidFill>
+                <a:schemeClr val="tx1"/>
+              </a:solidFill>
+              <a:effectLst/>
+              <a:latin typeface="Arial" panose="020B0604020202020204" pitchFamily="34" charset="0"/>
+            </a:endParaRPr>
+          </a:p>
+        </p:txBody>
+      </p:sp>
+      <p:sp>
+        <p:nvSpPr>
+          <p:cNvPr id="9" name="Rounded Rectangle 8"/>
+          <p:cNvSpPr/>
+          <p:nvPr/>
+        </p:nvSpPr>
+        <p:spPr bwMode="auto">
+          <a:xfrm>
+            <a:off x="2628208" y="3371766"/>
+            <a:ext cx="4428000" cy="252000"/>
+          </a:xfrm>
+          <a:prstGeom prst="roundRect">
+            <a:avLst/>
+          </a:prstGeom>
+          <a:solidFill>
+            <a:srgbClr val="006600">
+              <a:alpha val="20000"/>
+            </a:srgbClr>
+          </a:solidFill>
+          <a:ln w="9525" cap="flat" cmpd="sng" algn="ctr">
+            <a:solidFill>
+              <a:schemeClr val="tx1"/>
+            </a:solidFill>
+            <a:prstDash val="solid"/>
+            <a:round/>
+            <a:headEnd type="none" w="med" len="med"/>
+            <a:tailEnd type="none" w="med" len="med"/>
+          </a:ln>
+          <a:effectLst/>
+          <a:extLst/>
+        </p:spPr>
+        <p:txBody>
+          <a:bodyPr vert="horz" wrap="square" lIns="91440" tIns="45720" rIns="91440" bIns="45720" numCol="1" rtlCol="0" anchor="t" anchorCtr="0" compatLnSpc="1">
+            <a:prstTxWarp prst="textNoShape">
+              <a:avLst/>
+            </a:prstTxWarp>
+          </a:bodyPr>
+          <a:lstStyle/>
+          <a:p>
+            <a:pPr marL="0" marR="0" indent="0" algn="l" defTabSz="914400" rtl="0" eaLnBrk="1" fontAlgn="base" latinLnBrk="0" hangingPunct="1">
+              <a:lnSpc>
+                <a:spcPct val="100000"/>
+              </a:lnSpc>
+              <a:spcBef>
+                <a:spcPct val="0"/>
+              </a:spcBef>
+              <a:spcAft>
+                <a:spcPct val="0"/>
+              </a:spcAft>
+              <a:buClrTx/>
+              <a:buSzTx/>
+              <a:buFontTx/>
+              <a:buNone/>
+              <a:tabLst/>
+            </a:pPr>
+            <a:endParaRPr kumimoji="0" lang="de-DE" sz="1800" b="1" i="0" u="none" strike="noStrike" cap="none" normalizeH="0" baseline="0" smtClean="0">
+              <a:ln>
+                <a:noFill/>
+              </a:ln>
+              <a:solidFill>
+                <a:schemeClr val="tx1"/>
+              </a:solidFill>
+              <a:effectLst/>
+              <a:latin typeface="Arial" panose="020B0604020202020204" pitchFamily="34" charset="0"/>
+            </a:endParaRPr>
+          </a:p>
+        </p:txBody>
+      </p:sp>
     </p:spTree>
     <p:extLst>
       <p:ext uri="{BB962C8B-B14F-4D97-AF65-F5344CB8AC3E}">
@@ -25014,14 +24956,131 @@
   <p:timing>
     <p:tnLst>
       <p:par>
-        <p:cTn id="1" dur="indefinite" restart="never" nodeType="tmRoot"/>
+        <p:cTn id="1" dur="indefinite" restart="never" nodeType="tmRoot">
+          <p:childTnLst>
+            <p:seq concurrent="1" nextAc="seek">
+              <p:cTn id="2" dur="indefinite" nodeType="mainSeq">
+                <p:childTnLst>
+                  <p:par>
+                    <p:cTn id="3" fill="hold">
+                      <p:stCondLst>
+                        <p:cond delay="indefinite"/>
+                      </p:stCondLst>
+                      <p:childTnLst>
+                        <p:par>
+                          <p:cTn id="4" fill="hold">
+                            <p:stCondLst>
+                              <p:cond delay="0"/>
+                            </p:stCondLst>
+                            <p:childTnLst>
+                              <p:par>
+                                <p:cTn id="5" presetID="1" presetClass="entr" presetSubtype="0" fill="hold" grpId="0" nodeType="clickEffect">
+                                  <p:stCondLst>
+                                    <p:cond delay="0"/>
+                                  </p:stCondLst>
+                                  <p:childTnLst>
+                                    <p:set>
+                                      <p:cBhvr>
+                                        <p:cTn id="6" dur="1" fill="hold">
+                                          <p:stCondLst>
+                                            <p:cond delay="0"/>
+                                          </p:stCondLst>
+                                        </p:cTn>
+                                        <p:tgtEl>
+                                          <p:spTgt spid="7"/>
+                                        </p:tgtEl>
+                                        <p:attrNameLst>
+                                          <p:attrName>style.visibility</p:attrName>
+                                        </p:attrNameLst>
+                                      </p:cBhvr>
+                                      <p:to>
+                                        <p:strVal val="visible"/>
+                                      </p:to>
+                                    </p:set>
+                                  </p:childTnLst>
+                                </p:cTn>
+                              </p:par>
+                            </p:childTnLst>
+                          </p:cTn>
+                        </p:par>
+                      </p:childTnLst>
+                    </p:cTn>
+                  </p:par>
+                  <p:par>
+                    <p:cTn id="7" fill="hold">
+                      <p:stCondLst>
+                        <p:cond delay="indefinite"/>
+                      </p:stCondLst>
+                      <p:childTnLst>
+                        <p:par>
+                          <p:cTn id="8" fill="hold">
+                            <p:stCondLst>
+                              <p:cond delay="0"/>
+                            </p:stCondLst>
+                            <p:childTnLst>
+                              <p:par>
+                                <p:cTn id="9" presetID="1" presetClass="entr" presetSubtype="0" fill="hold" grpId="0" nodeType="clickEffect">
+                                  <p:stCondLst>
+                                    <p:cond delay="0"/>
+                                  </p:stCondLst>
+                                  <p:childTnLst>
+                                    <p:set>
+                                      <p:cBhvr>
+                                        <p:cTn id="10" dur="1" fill="hold">
+                                          <p:stCondLst>
+                                            <p:cond delay="0"/>
+                                          </p:stCondLst>
+                                        </p:cTn>
+                                        <p:tgtEl>
+                                          <p:spTgt spid="9"/>
+                                        </p:tgtEl>
+                                        <p:attrNameLst>
+                                          <p:attrName>style.visibility</p:attrName>
+                                        </p:attrNameLst>
+                                      </p:cBhvr>
+                                      <p:to>
+                                        <p:strVal val="visible"/>
+                                      </p:to>
+                                    </p:set>
+                                  </p:childTnLst>
+                                </p:cTn>
+                              </p:par>
+                            </p:childTnLst>
+                          </p:cTn>
+                        </p:par>
+                      </p:childTnLst>
+                    </p:cTn>
+                  </p:par>
+                </p:childTnLst>
+              </p:cTn>
+              <p:prevCondLst>
+                <p:cond evt="onPrev" delay="0">
+                  <p:tgtEl>
+                    <p:sldTgt/>
+                  </p:tgtEl>
+                </p:cond>
+              </p:prevCondLst>
+              <p:nextCondLst>
+                <p:cond evt="onNext" delay="0">
+                  <p:tgtEl>
+                    <p:sldTgt/>
+                  </p:tgtEl>
+                </p:cond>
+              </p:nextCondLst>
+            </p:seq>
+          </p:childTnLst>
+        </p:cTn>
       </p:par>
     </p:tnLst>
+    <p:bldLst>
+      <p:bldP spid="7" grpId="0" animBg="1"/>
+      <p:bldP spid="9" grpId="0" animBg="1"/>
+    </p:bldLst>
   </p:timing>
 </p:sld>
 </file>
 
-<file path=ppt/slides/slide22.xml><?xml version="1.0" encoding="utf-8"?>
+<file path=ppt/slides/slide21.xml><?xml version="1.0" encoding="utf-8"?>
 <p:sld xmlns:a="http://schemas.openxmlformats.org/drawingml/2006/main" xmlns:r="http://schemas.openxmlformats.org/officeDocument/2006/relationships" xmlns:p="http://schemas.openxmlformats.org/presentationml/2006/main">
   <p:cSld>
     <p:spTree>
@@ -25147,7 +25206,7 @@
               <a:pPr>
                 <a:defRPr/>
               </a:pPr>
-              <a:t>22</a:t>
+              <a:t>21</a:t>
             </a:fld>
             <a:endParaRPr lang="de-DE" altLang="en-US"/>
           </a:p>
@@ -26106,7 +26165,7 @@
 </p:sld>
 </file>
 
-<file path=ppt/slides/slide23.xml><?xml version="1.0" encoding="utf-8"?>
+<file path=ppt/slides/slide22.xml><?xml version="1.0" encoding="utf-8"?>
 <p:sld xmlns:a="http://schemas.openxmlformats.org/drawingml/2006/main" xmlns:r="http://schemas.openxmlformats.org/officeDocument/2006/relationships" xmlns:p="http://schemas.openxmlformats.org/presentationml/2006/main">
   <p:cSld>
     <p:spTree>
@@ -26232,7 +26291,7 @@
               <a:pPr>
                 <a:defRPr/>
               </a:pPr>
-              <a:t>23</a:t>
+              <a:t>22</a:t>
             </a:fld>
             <a:endParaRPr lang="de-DE" altLang="en-US"/>
           </a:p>
@@ -26668,7 +26727,7 @@
 </p:sld>
 </file>
 
-<file path=ppt/slides/slide24.xml><?xml version="1.0" encoding="utf-8"?>
+<file path=ppt/slides/slide23.xml><?xml version="1.0" encoding="utf-8"?>
 <p:sld xmlns:a="http://schemas.openxmlformats.org/drawingml/2006/main" xmlns:r="http://schemas.openxmlformats.org/officeDocument/2006/relationships" xmlns:p="http://schemas.openxmlformats.org/presentationml/2006/main">
   <p:cSld>
     <p:spTree>
@@ -26794,7 +26853,7 @@
               <a:pPr>
                 <a:defRPr/>
               </a:pPr>
-              <a:t>24</a:t>
+              <a:t>23</a:t>
             </a:fld>
             <a:endParaRPr lang="de-DE" altLang="en-US"/>
           </a:p>
@@ -27100,6 +27159,258 @@
     <p:extLst>
       <p:ext uri="{BB962C8B-B14F-4D97-AF65-F5344CB8AC3E}">
         <p14:creationId xmlns:p14="http://schemas.microsoft.com/office/powerpoint/2010/main" val="3852502023"/>
+      </p:ext>
+    </p:extLst>
+  </p:cSld>
+  <p:clrMapOvr>
+    <a:masterClrMapping/>
+  </p:clrMapOvr>
+  <p:timing>
+    <p:tnLst>
+      <p:par>
+        <p:cTn id="1" dur="indefinite" restart="never" nodeType="tmRoot"/>
+      </p:par>
+    </p:tnLst>
+  </p:timing>
+</p:sld>
+</file>
+
+<file path=ppt/slides/slide24.xml><?xml version="1.0" encoding="utf-8"?>
+<p:sld xmlns:a="http://schemas.openxmlformats.org/drawingml/2006/main" xmlns:r="http://schemas.openxmlformats.org/officeDocument/2006/relationships" xmlns:p="http://schemas.openxmlformats.org/presentationml/2006/main">
+  <p:cSld>
+    <p:spTree>
+      <p:nvGrpSpPr>
+        <p:cNvPr id="1" name=""/>
+        <p:cNvGrpSpPr/>
+        <p:nvPr/>
+      </p:nvGrpSpPr>
+      <p:grpSpPr>
+        <a:xfrm>
+          <a:off x="0" y="0"/>
+          <a:ext cx="0" cy="0"/>
+          <a:chOff x="0" y="0"/>
+          <a:chExt cx="0" cy="0"/>
+        </a:xfrm>
+      </p:grpSpPr>
+      <p:sp>
+        <p:nvSpPr>
+          <p:cNvPr id="2" name="Title 1"/>
+          <p:cNvSpPr>
+            <a:spLocks noGrp="1"/>
+          </p:cNvSpPr>
+          <p:nvPr>
+            <p:ph type="title"/>
+          </p:nvPr>
+        </p:nvSpPr>
+        <p:spPr/>
+        <p:txBody>
+          <a:bodyPr/>
+          <a:lstStyle/>
+          <a:p>
+            <a:r>
+              <a:rPr lang="de-DE" smtClean="0"/>
+              <a:t>Constraint components   </a:t>
+            </a:r>
+            <a:endParaRPr lang="de-DE"/>
+          </a:p>
+        </p:txBody>
+      </p:sp>
+      <p:sp>
+        <p:nvSpPr>
+          <p:cNvPr id="6" name="Slide Number Placeholder 5"/>
+          <p:cNvSpPr>
+            <a:spLocks noGrp="1"/>
+          </p:cNvSpPr>
+          <p:nvPr>
+            <p:ph type="sldNum" sz="quarter" idx="12"/>
+          </p:nvPr>
+        </p:nvSpPr>
+        <p:spPr/>
+        <p:txBody>
+          <a:bodyPr/>
+          <a:lstStyle/>
+          <a:p>
+            <a:pPr>
+              <a:defRPr/>
+            </a:pPr>
+            <a:fld id="{F031B2F4-27D1-4E53-97CF-1947CD75B185}" type="slidenum">
+              <a:rPr lang="de-DE" altLang="en-US" smtClean="0"/>
+              <a:pPr>
+                <a:defRPr/>
+              </a:pPr>
+              <a:t>24</a:t>
+            </a:fld>
+            <a:endParaRPr lang="de-DE" altLang="en-US"/>
+          </a:p>
+        </p:txBody>
+      </p:sp>
+      <p:sp>
+        <p:nvSpPr>
+          <p:cNvPr id="7" name="TextBox 6"/>
+          <p:cNvSpPr txBox="1"/>
+          <p:nvPr/>
+        </p:nvSpPr>
+        <p:spPr>
+          <a:xfrm>
+            <a:off x="500123" y="1581174"/>
+            <a:ext cx="8439105" cy="5232202"/>
+          </a:xfrm>
+          <a:prstGeom prst="rect">
+            <a:avLst/>
+          </a:prstGeom>
+          <a:noFill/>
+        </p:spPr>
+        <p:txBody>
+          <a:bodyPr wrap="none" rtlCol="0">
+            <a:spAutoFit/>
+          </a:bodyPr>
+          <a:lstStyle/>
+          <a:p>
+            <a:r>
+              <a:rPr lang="de-DE" sz="2000" smtClean="0">
+                <a:solidFill>
+                  <a:srgbClr val="0070C0"/>
+                </a:solidFill>
+              </a:rPr>
+              <a:t>Resource shapes</a:t>
+            </a:r>
+          </a:p>
+          <a:p>
+            <a:r>
+              <a:rPr lang="de-DE"/>
+              <a:t> </a:t>
+            </a:r>
+            <a:r>
+              <a:rPr lang="de-DE" smtClean="0"/>
+              <a:t> TargetSize*, LastUpdate*, FileSize*, Mediatype*, FolderContent*, xsdValid</a:t>
+            </a:r>
+            <a:r>
+              <a:rPr lang="de-DE" smtClean="0">
+                <a:solidFill>
+                  <a:srgbClr val="0070C0"/>
+                </a:solidFill>
+              </a:rPr>
+              <a:t>  </a:t>
+            </a:r>
+          </a:p>
+          <a:p>
+            <a:endParaRPr lang="de-DE" sz="2000" smtClean="0">
+              <a:solidFill>
+                <a:srgbClr val="0070C0"/>
+              </a:solidFill>
+            </a:endParaRPr>
+          </a:p>
+          <a:p>
+            <a:r>
+              <a:rPr lang="de-DE" sz="2000" smtClean="0">
+                <a:solidFill>
+                  <a:srgbClr val="0070C0"/>
+                </a:solidFill>
+              </a:rPr>
+              <a:t>Value shapes I: Literal parameters</a:t>
+            </a:r>
+          </a:p>
+          <a:p>
+            <a:r>
+              <a:rPr lang="de-DE" smtClean="0"/>
+              <a:t>  itemsUnique</a:t>
+            </a:r>
+          </a:p>
+          <a:p>
+            <a:r>
+              <a:rPr lang="de-DE" smtClean="0"/>
+              <a:t>  empty exists</a:t>
+            </a:r>
+          </a:p>
+          <a:p>
+            <a:r>
+              <a:rPr lang="de-DE" smtClean="0"/>
+              <a:t>  count minCount maxCount</a:t>
+            </a:r>
+          </a:p>
+          <a:p>
+            <a:r>
+              <a:rPr lang="de-DE" smtClean="0"/>
+              <a:t>  datatype</a:t>
+            </a:r>
+            <a:endParaRPr lang="de-DE"/>
+          </a:p>
+          <a:p>
+            <a:r>
+              <a:rPr lang="de-DE" smtClean="0"/>
+              <a:t>  eq ne gt ge lt le</a:t>
+            </a:r>
+          </a:p>
+          <a:p>
+            <a:r>
+              <a:rPr lang="de-DE"/>
+              <a:t> </a:t>
+            </a:r>
+            <a:r>
+              <a:rPr lang="de-DE" smtClean="0"/>
+              <a:t> length minLength maxLength</a:t>
+            </a:r>
+          </a:p>
+          <a:p>
+            <a:r>
+              <a:rPr lang="de-DE" smtClean="0"/>
+              <a:t>  matches notMatches</a:t>
+            </a:r>
+          </a:p>
+          <a:p>
+            <a:r>
+              <a:rPr lang="de-DE" smtClean="0"/>
+              <a:t>  like notLike</a:t>
+            </a:r>
+          </a:p>
+          <a:p>
+            <a:endParaRPr lang="de-DE" sz="2000"/>
+          </a:p>
+          <a:p>
+            <a:r>
+              <a:rPr lang="de-DE" sz="2000" smtClean="0">
+                <a:solidFill>
+                  <a:srgbClr val="0070C0"/>
+                </a:solidFill>
+              </a:rPr>
+              <a:t>Value shapes II: Expression valued parameters</a:t>
+            </a:r>
+          </a:p>
+          <a:p>
+            <a:r>
+              <a:rPr lang="de-DE" smtClean="0"/>
+              <a:t>  eqFoxpath neFoxpath ltFoxpath leFoxpath gtFoxpath geFoxpath</a:t>
+            </a:r>
+          </a:p>
+          <a:p>
+            <a:r>
+              <a:rPr lang="de-DE" smtClean="0"/>
+              <a:t>  eqXPath </a:t>
+            </a:r>
+            <a:r>
+              <a:rPr lang="de-DE"/>
+              <a:t>neXPath ltXPath leXPath gtXPath geXPath</a:t>
+            </a:r>
+          </a:p>
+          <a:p>
+            <a:r>
+              <a:rPr lang="de-DE" smtClean="0"/>
+              <a:t>  inFoxpath containsFoxpath</a:t>
+            </a:r>
+          </a:p>
+          <a:p>
+            <a:r>
+              <a:rPr lang="de-DE" smtClean="0"/>
+              <a:t>  inXPath containsXPath</a:t>
+            </a:r>
+            <a:endParaRPr lang="de-DE"/>
+          </a:p>
+        </p:txBody>
+      </p:sp>
+    </p:spTree>
+    <p:extLst>
+      <p:ext uri="{BB962C8B-B14F-4D97-AF65-F5344CB8AC3E}">
+        <p14:creationId xmlns:p14="http://schemas.microsoft.com/office/powerpoint/2010/main" val="2675809795"/>
       </p:ext>
     </p:extLst>
   </p:cSld>
@@ -30956,48 +31267,6 @@
       </p:grpSpPr>
       <p:sp>
         <p:nvSpPr>
-          <p:cNvPr id="2" name="Title 1"/>
-          <p:cNvSpPr>
-            <a:spLocks noGrp="1"/>
-          </p:cNvSpPr>
-          <p:nvPr>
-            <p:ph type="title"/>
-          </p:nvPr>
-        </p:nvSpPr>
-        <p:spPr/>
-        <p:txBody>
-          <a:bodyPr/>
-          <a:lstStyle/>
-          <a:p>
-            <a:r>
-              <a:rPr lang="de-DE" smtClean="0"/>
-              <a:t>+</a:t>
-            </a:r>
-            <a:endParaRPr lang="de-DE"/>
-          </a:p>
-        </p:txBody>
-      </p:sp>
-      <p:sp>
-        <p:nvSpPr>
-          <p:cNvPr id="3" name="Content Placeholder 2"/>
-          <p:cNvSpPr>
-            <a:spLocks noGrp="1"/>
-          </p:cNvSpPr>
-          <p:nvPr>
-            <p:ph idx="1"/>
-          </p:nvPr>
-        </p:nvSpPr>
-        <p:spPr/>
-        <p:txBody>
-          <a:bodyPr/>
-          <a:lstStyle/>
-          <a:p>
-            <a:endParaRPr lang="de-DE"/>
-          </a:p>
-        </p:txBody>
-      </p:sp>
-      <p:sp>
-        <p:nvSpPr>
           <p:cNvPr id="4" name="Date Placeholder 3"/>
           <p:cNvSpPr>
             <a:spLocks noGrp="1"/>
@@ -31115,6 +31384,36 @@
           </a:p>
         </p:txBody>
       </p:sp>
+      <p:pic>
+        <p:nvPicPr>
+          <p:cNvPr id="9" name="Picture 8"/>
+          <p:cNvPicPr>
+            <a:picLocks noChangeAspect="1"/>
+          </p:cNvPicPr>
+          <p:nvPr/>
+        </p:nvPicPr>
+        <p:blipFill>
+          <a:blip r:embed="rId3" cstate="print">
+            <a:extLst>
+              <a:ext uri="{28A0092B-C50C-407E-A947-70E740481C1C}">
+                <a14:useLocalDpi xmlns:a14="http://schemas.microsoft.com/office/drawing/2010/main" val="0"/>
+              </a:ext>
+            </a:extLst>
+          </a:blip>
+          <a:stretch>
+            <a:fillRect/>
+          </a:stretch>
+        </p:blipFill>
+        <p:spPr>
+          <a:xfrm>
+            <a:off x="6840760" y="5157192"/>
+            <a:ext cx="2267744" cy="1690178"/>
+          </a:xfrm>
+          <a:prstGeom prst="rect">
+            <a:avLst/>
+          </a:prstGeom>
+        </p:spPr>
+      </p:pic>
     </p:spTree>
     <p:extLst>
       <p:ext uri="{BB962C8B-B14F-4D97-AF65-F5344CB8AC3E}">
